--- a/project/assets/img/Apresentação1.pptx
+++ b/project/assets/img/Apresentação1.pptx
@@ -104,6 +104,11 @@
       </a:defRPr>
     </a:lvl9pPr>
   </p:defaultTextStyle>
+  <p:extLst>
+    <p:ext uri="{EFAFB233-063F-42B5-8137-9DF3F51BA10A}">
+      <p15:sldGuideLst xmlns:p15="http://schemas.microsoft.com/office/powerpoint/2012/main"/>
+    </p:ext>
+  </p:extLst>
 </p:presentation>
 </file>
 
@@ -3310,7 +3315,7 @@
     <p:bg>
       <p:bgPr>
         <a:solidFill>
-          <a:srgbClr val="DAE9FD"/>
+          <a:schemeClr val="bg1"/>
         </a:solidFill>
         <a:effectLst/>
       </p:bgPr>
@@ -3464,7 +3469,7 @@
           </a:solidFill>
           <a:ln>
             <a:solidFill>
-              <a:srgbClr val="DAE9FD"/>
+              <a:schemeClr val="bg1"/>
             </a:solidFill>
           </a:ln>
         </p:spPr>
@@ -3520,7 +3525,7 @@
           </a:solidFill>
           <a:ln>
             <a:solidFill>
-              <a:srgbClr val="DAE9FD"/>
+              <a:schemeClr val="bg1"/>
             </a:solidFill>
           </a:ln>
         </p:spPr>
